--- a/Computational Method Final Project Sahana.pptx
+++ b/Computational Method Final Project Sahana.pptx
@@ -3210,11 +3210,23 @@
           <a:p>
             <a:r>
               <a:rPr lang="en-US" dirty="0" smtClean="0"/>
-              <a:t>We design </a:t>
+              <a:t>D</a:t>
+            </a:r>
+            <a:r>
+              <a:rPr lang="en-US" dirty="0" smtClean="0"/>
+              <a:t>esigning </a:t>
             </a:r>
             <a:r>
               <a:rPr lang="en-US" dirty="0"/>
-              <a:t>and fabricate a </a:t>
+              <a:t>and </a:t>
+            </a:r>
+            <a:r>
+              <a:rPr lang="en-US" dirty="0" smtClean="0"/>
+              <a:t>fabrication of </a:t>
+            </a:r>
+            <a:r>
+              <a:rPr lang="en-US" dirty="0"/>
+              <a:t>a </a:t>
             </a:r>
             <a:r>
               <a:rPr lang="en-US" dirty="0" err="1"/>
@@ -3270,7 +3282,6 @@
               <a:rPr lang="en-US" dirty="0"/>
               <a:t>.</a:t>
             </a:r>
-            <a:endParaRPr lang="en-US" dirty="0"/>
           </a:p>
         </p:txBody>
       </p:sp>
@@ -3802,14 +3813,7 @@
                 <a:latin typeface="Arial" pitchFamily="34" charset="0"/>
                 <a:cs typeface="Arial" pitchFamily="34" charset="0"/>
               </a:rPr>
-              <a:t>) </a:t>
-            </a:r>
-            <a:r>
-              <a:rPr lang="en-US" dirty="0">
-                <a:latin typeface="Arial" pitchFamily="34" charset="0"/>
-                <a:cs typeface="Arial" pitchFamily="34" charset="0"/>
-              </a:rPr>
-              <a:t>a</a:t>
+              <a:t>) a</a:t>
             </a:r>
             <a:r>
               <a:rPr lang="en-US" dirty="0" smtClean="0">
